--- a/Slides/Lec-02-1-Notation.pptx
+++ b/Slides/Lec-02-1-Notation.pptx
@@ -261,7 +261,7 @@
           <a:p>
             <a:fld id="{0B842F42-2CE9-4E35-95C1-410DC08A50B1}" type="datetimeFigureOut">
               <a:rPr lang="en-US" smtClean="0"/>
-              <a:t>3/7/19</a:t>
+              <a:t>3/10/19</a:t>
             </a:fld>
             <a:endParaRPr lang="en-US"/>
           </a:p>
@@ -426,7 +426,7 @@
           <a:p>
             <a:fld id="{6F282904-F315-4730-8D91-37D99E141A6F}" type="datetimeFigureOut">
               <a:rPr lang="en-US" smtClean="0"/>
-              <a:t>3/7/19</a:t>
+              <a:t>3/10/19</a:t>
             </a:fld>
             <a:endParaRPr lang="en-US"/>
           </a:p>
@@ -7104,6 +7104,14 @@
 <file path=ppt/slides/slide1.xml><?xml version="1.0" encoding="utf-8"?>
 <p:sld xmlns:a="http://schemas.openxmlformats.org/drawingml/2006/main" xmlns:r="http://schemas.openxmlformats.org/officeDocument/2006/relationships" xmlns:p="http://schemas.openxmlformats.org/presentationml/2006/main">
   <p:cSld>
+    <p:bg>
+      <p:bgPr>
+        <a:solidFill>
+          <a:schemeClr val="bg1"/>
+        </a:solidFill>
+        <a:effectLst/>
+      </p:bgPr>
+    </p:bg>
     <p:spTree>
       <p:nvGrpSpPr>
         <p:cNvPr id="1" name=""/>
@@ -7130,16 +7138,19 @@
         </p:nvSpPr>
         <p:spPr>
           <a:xfrm>
-            <a:off x="339005" y="320040"/>
-            <a:ext cx="5545451" cy="511166"/>
+            <a:off x="804462" y="2600325"/>
+            <a:ext cx="4947139" cy="2651200"/>
           </a:xfrm>
         </p:spPr>
         <p:txBody>
-          <a:bodyPr/>
+          <a:bodyPr anchor="t">
+            <a:normAutofit/>
+          </a:bodyPr>
           <a:lstStyle/>
           <a:p>
+            <a:pPr algn="l"/>
             <a:r>
-              <a:rPr lang="en-US" dirty="0"/>
+              <a:rPr lang="en-US" sz="5300"/>
               <a:t>Notation</a:t>
             </a:r>
           </a:p>
@@ -7155,26 +7166,22 @@
             <p:ph type="subTitle" idx="1"/>
           </p:nvPr>
         </p:nvSpPr>
-        <p:spPr/>
+        <p:spPr>
+          <a:xfrm>
+            <a:off x="804462" y="1300450"/>
+            <a:ext cx="4166291" cy="1155525"/>
+          </a:xfrm>
+        </p:spPr>
         <p:txBody>
-          <a:bodyPr/>
+          <a:bodyPr anchor="b">
+            <a:normAutofit/>
+          </a:bodyPr>
           <a:lstStyle/>
           <a:p>
+            <a:pPr algn="l"/>
             <a:r>
-              <a:rPr lang="en-US" dirty="0" err="1"/>
-              <a:t>Feiyi</a:t>
-            </a:r>
-            <a:r>
-              <a:rPr lang="en-US" dirty="0"/>
-              <a:t> Wang (</a:t>
-            </a:r>
-            <a:r>
-              <a:rPr lang="en-US" dirty="0" err="1"/>
-              <a:t>Ph.D</a:t>
-            </a:r>
-            <a:r>
-              <a:rPr lang="en-US" dirty="0"/>
-              <a:t>)</a:t>
+              <a:rPr lang="en-US" sz="2000"/>
+              <a:t>Feiyi Wang (Ph.D)</a:t>
             </a:r>
           </a:p>
         </p:txBody>
@@ -7187,7 +7194,7 @@
     </p:extLst>
   </p:cSld>
   <p:clrMapOvr>
-    <a:masterClrMapping/>
+    <a:overrideClrMapping bg1="dk1" tx1="lt1" bg2="dk2" tx2="lt2" accent1="accent1" accent2="accent2" accent3="accent3" accent4="accent4" accent5="accent5" accent6="accent6" hlink="hlink" folHlink="folHlink"/>
   </p:clrMapOvr>
 </p:sld>
 </file>
@@ -7232,7 +7239,9 @@
           </a:xfrm>
         </p:spPr>
         <p:txBody>
-          <a:bodyPr/>
+          <a:bodyPr>
+            <a:normAutofit/>
+          </a:bodyPr>
           <a:lstStyle/>
           <a:p>
             <a:r>
@@ -7610,7 +7619,9 @@
           </a:xfrm>
         </p:spPr>
         <p:txBody>
-          <a:bodyPr/>
+          <a:bodyPr>
+            <a:normAutofit/>
+          </a:bodyPr>
           <a:lstStyle/>
           <a:p>
             <a:r>
@@ -7775,7 +7786,9 @@
           </a:xfrm>
         </p:spPr>
         <p:txBody>
-          <a:bodyPr/>
+          <a:bodyPr>
+            <a:normAutofit/>
+          </a:bodyPr>
           <a:lstStyle/>
           <a:p>
             <a:r>
@@ -7868,7 +7881,9 @@
           </a:xfrm>
         </p:spPr>
         <p:txBody>
-          <a:bodyPr/>
+          <a:bodyPr>
+            <a:normAutofit/>
+          </a:bodyPr>
           <a:lstStyle/>
           <a:p>
             <a:r>
@@ -9266,6 +9281,21 @@
 </file>
 
 <file path=customXml/item1.xml><?xml version="1.0" encoding="utf-8"?>
+<p:properties xmlns:p="http://schemas.microsoft.com/office/2006/metadata/properties" xmlns:xsi="http://www.w3.org/2001/XMLSchema-instance" xmlns:pc="http://schemas.microsoft.com/office/infopath/2007/PartnerControls">
+  <documentManagement/>
+</p:properties>
+</file>
+
+<file path=customXml/item2.xml><?xml version="1.0" encoding="utf-8"?>
+<?mso-contentType ?>
+<FormTemplates xmlns="http://schemas.microsoft.com/sharepoint/v3/contenttype/forms">
+  <Display>DocumentLibraryForm</Display>
+  <Edit>DocumentLibraryForm</Edit>
+  <New>DocumentLibraryForm</New>
+</FormTemplates>
+</file>
+
+<file path=customXml/item3.xml><?xml version="1.0" encoding="utf-8"?>
 <ct:contentTypeSchema xmlns:ct="http://schemas.microsoft.com/office/2006/metadata/contentType" xmlns:ma="http://schemas.microsoft.com/office/2006/metadata/properties/metaAttributes" ct:_="" ma:_="" ma:contentTypeName="Document" ma:contentTypeID="0x0101003975B17BC858B94FAA5409F11FF9B884" ma:contentTypeVersion="0" ma:contentTypeDescription="Create a new document." ma:contentTypeScope="" ma:versionID="ba30602e445ba7bd833ef2f532e4a594">
   <xsd:schema xmlns:xsd="http://www.w3.org/2001/XMLSchema" xmlns:xs="http://www.w3.org/2001/XMLSchema" xmlns:p="http://schemas.microsoft.com/office/2006/metadata/properties" targetNamespace="http://schemas.microsoft.com/office/2006/metadata/properties" ma:root="true" ma:fieldsID="c64490b4aec6201516c3a874156f37b2">
     <xsd:element name="properties">
@@ -9379,22 +9409,30 @@
 </ct:contentTypeSchema>
 </file>
 
-<file path=customXml/item2.xml><?xml version="1.0" encoding="utf-8"?>
-<?mso-contentType ?>
-<FormTemplates xmlns="http://schemas.microsoft.com/sharepoint/v3/contenttype/forms">
-  <Display>DocumentLibraryForm</Display>
-  <Edit>DocumentLibraryForm</Edit>
-  <New>DocumentLibraryForm</New>
-</FormTemplates>
+<file path=customXml/itemProps1.xml><?xml version="1.0" encoding="utf-8"?>
+<ds:datastoreItem xmlns:ds="http://schemas.openxmlformats.org/officeDocument/2006/customXml" ds:itemID="{A50EC660-24D0-43A0-AE5E-E274115E726B}">
+  <ds:schemaRefs>
+    <ds:schemaRef ds:uri="http://schemas.microsoft.com/office/2006/documentManagement/types"/>
+    <ds:schemaRef ds:uri="http://www.w3.org/XML/1998/namespace"/>
+    <ds:schemaRef ds:uri="http://schemas.microsoft.com/office/infopath/2007/PartnerControls"/>
+    <ds:schemaRef ds:uri="http://purl.org/dc/elements/1.1/"/>
+    <ds:schemaRef ds:uri="http://purl.org/dc/dcmitype/"/>
+    <ds:schemaRef ds:uri="http://purl.org/dc/terms/"/>
+    <ds:schemaRef ds:uri="http://schemas.openxmlformats.org/package/2006/metadata/core-properties"/>
+    <ds:schemaRef ds:uri="http://schemas.microsoft.com/office/2006/metadata/properties"/>
+  </ds:schemaRefs>
+</ds:datastoreItem>
 </file>
 
-<file path=customXml/item3.xml><?xml version="1.0" encoding="utf-8"?>
-<p:properties xmlns:p="http://schemas.microsoft.com/office/2006/metadata/properties" xmlns:xsi="http://www.w3.org/2001/XMLSchema-instance" xmlns:pc="http://schemas.microsoft.com/office/infopath/2007/PartnerControls">
-  <documentManagement/>
-</p:properties>
+<file path=customXml/itemProps2.xml><?xml version="1.0" encoding="utf-8"?>
+<ds:datastoreItem xmlns:ds="http://schemas.openxmlformats.org/officeDocument/2006/customXml" ds:itemID="{19E20559-B232-4371-8690-E3D8007EDB82}">
+  <ds:schemaRefs>
+    <ds:schemaRef ds:uri="http://schemas.microsoft.com/sharepoint/v3/contenttype/forms"/>
+  </ds:schemaRefs>
+</ds:datastoreItem>
 </file>
 
-<file path=customXml/itemProps1.xml><?xml version="1.0" encoding="utf-8"?>
+<file path=customXml/itemProps3.xml><?xml version="1.0" encoding="utf-8"?>
 <ds:datastoreItem xmlns:ds="http://schemas.openxmlformats.org/officeDocument/2006/customXml" ds:itemID="{ACBB6CFE-4507-4B02-9220-33DC2E0B4692}">
   <ds:schemaRefs>
     <ds:schemaRef ds:uri="http://schemas.microsoft.com/office/2006/metadata/contentType"/>
@@ -9408,27 +9446,4 @@
     <ds:schemaRef ds:uri="http://schemas.microsoft.com/office/infopath/2007/PartnerControls"/>
   </ds:schemaRefs>
 </ds:datastoreItem>
-</file>
-
-<file path=customXml/itemProps2.xml><?xml version="1.0" encoding="utf-8"?>
-<ds:datastoreItem xmlns:ds="http://schemas.openxmlformats.org/officeDocument/2006/customXml" ds:itemID="{19E20559-B232-4371-8690-E3D8007EDB82}">
-  <ds:schemaRefs>
-    <ds:schemaRef ds:uri="http://schemas.microsoft.com/sharepoint/v3/contenttype/forms"/>
-  </ds:schemaRefs>
-</ds:datastoreItem>
-</file>
-
-<file path=customXml/itemProps3.xml><?xml version="1.0" encoding="utf-8"?>
-<ds:datastoreItem xmlns:ds="http://schemas.openxmlformats.org/officeDocument/2006/customXml" ds:itemID="{A50EC660-24D0-43A0-AE5E-E274115E726B}">
-  <ds:schemaRefs>
-    <ds:schemaRef ds:uri="http://schemas.microsoft.com/office/2006/documentManagement/types"/>
-    <ds:schemaRef ds:uri="http://www.w3.org/XML/1998/namespace"/>
-    <ds:schemaRef ds:uri="http://schemas.microsoft.com/office/infopath/2007/PartnerControls"/>
-    <ds:schemaRef ds:uri="http://purl.org/dc/elements/1.1/"/>
-    <ds:schemaRef ds:uri="http://purl.org/dc/dcmitype/"/>
-    <ds:schemaRef ds:uri="http://purl.org/dc/terms/"/>
-    <ds:schemaRef ds:uri="http://schemas.openxmlformats.org/package/2006/metadata/core-properties"/>
-    <ds:schemaRef ds:uri="http://schemas.microsoft.com/office/2006/metadata/properties"/>
-  </ds:schemaRefs>
-</ds:datastoreItem>
 </file>